--- a/documentazione/Slides presentazione progetto.pptx
+++ b/documentazione/Slides presentazione progetto.pptx
@@ -21,23 +21,32 @@
     <p:sldId id="266" r:id="rId16"/>
     <p:sldId id="267" r:id="rId17"/>
     <p:sldId id="268" r:id="rId18"/>
+    <p:sldId id="269" r:id="rId19"/>
+    <p:sldId id="270" r:id="rId20"/>
+    <p:sldId id="271" r:id="rId21"/>
+    <p:sldId id="272" r:id="rId22"/>
+    <p:sldId id="273" r:id="rId23"/>
+    <p:sldId id="274" r:id="rId24"/>
+    <p:sldId id="275" r:id="rId25"/>
+    <p:sldId id="276" r:id="rId26"/>
+    <p:sldId id="277" r:id="rId27"/>
   </p:sldIdLst>
   <p:sldSz cy="5143500" cx="9144000"/>
   <p:notesSz cx="6858000" cy="9144000"/>
   <p:embeddedFontLst>
     <p:embeddedFont>
       <p:font typeface="Montserrat"/>
-      <p:regular r:id="rId19"/>
-      <p:bold r:id="rId20"/>
-      <p:italic r:id="rId21"/>
-      <p:boldItalic r:id="rId22"/>
+      <p:regular r:id="rId28"/>
+      <p:bold r:id="rId29"/>
+      <p:italic r:id="rId30"/>
+      <p:boldItalic r:id="rId31"/>
     </p:embeddedFont>
     <p:embeddedFont>
       <p:font typeface="Lato"/>
-      <p:regular r:id="rId23"/>
-      <p:bold r:id="rId24"/>
-      <p:italic r:id="rId25"/>
-      <p:boldItalic r:id="rId26"/>
+      <p:regular r:id="rId32"/>
+      <p:bold r:id="rId33"/>
+      <p:italic r:id="rId34"/>
+      <p:boldItalic r:id="rId35"/>
     </p:embeddedFont>
   </p:embeddedFontLst>
   <p:defaultTextStyle>
@@ -1129,7 +1138,7 @@
       </p:grpSpPr>
       <p:sp>
         <p:nvSpPr>
-          <p:cNvPr id="218" name="Google Shape;218;g12b4446a5a9_0_23:notes"/>
+          <p:cNvPr id="218" name="Google Shape;218;g1353ffd53ee_1_0:notes"/>
           <p:cNvSpPr/>
           <p:nvPr>
             <p:ph idx="2" type="sldImg"/>
@@ -1164,7 +1173,601 @@
       </p:sp>
       <p:sp>
         <p:nvSpPr>
-          <p:cNvPr id="219" name="Google Shape;219;g12b4446a5a9_0_23:notes"/>
+          <p:cNvPr id="219" name="Google Shape;219;g1353ffd53ee_1_0:notes"/>
+          <p:cNvSpPr txBox="1"/>
+          <p:nvPr>
+            <p:ph idx="1" type="body"/>
+          </p:nvPr>
+        </p:nvSpPr>
+        <p:spPr>
+          <a:xfrm>
+            <a:off x="685800" y="4343400"/>
+            <a:ext cx="5486400" cy="4114800"/>
+          </a:xfrm>
+          <a:prstGeom prst="rect">
+            <a:avLst/>
+          </a:prstGeom>
+        </p:spPr>
+        <p:txBody>
+          <a:bodyPr anchorCtr="0" anchor="t" bIns="91425" lIns="91425" spcFirstLastPara="1" rIns="91425" wrap="square" tIns="91425">
+            <a:noAutofit/>
+          </a:bodyPr>
+          <a:lstStyle/>
+          <a:p>
+            <a:pPr indent="0" lvl="0" marL="0" rtl="0" algn="l">
+              <a:spcBef>
+                <a:spcPts val="0"/>
+              </a:spcBef>
+              <a:spcAft>
+                <a:spcPts val="0"/>
+              </a:spcAft>
+              <a:buNone/>
+            </a:pPr>
+            <a:r>
+              <a:t/>
+            </a:r>
+            <a:endParaRPr/>
+          </a:p>
+        </p:txBody>
+      </p:sp>
+    </p:spTree>
+  </p:cSld>
+  <p:clrMapOvr>
+    <a:masterClrMapping/>
+  </p:clrMapOvr>
+</p:notes>
+</file>
+
+<file path=ppt/notesSlides/notesSlide14.xml><?xml version="1.0" encoding="utf-8"?>
+<p:notes xmlns:a="http://schemas.openxmlformats.org/drawingml/2006/main" xmlns:r="http://schemas.openxmlformats.org/officeDocument/2006/relationships" xmlns:mc="http://schemas.openxmlformats.org/markup-compatibility/2006" xmlns:mv="urn:schemas-microsoft-com:mac:vml" xmlns:p="http://schemas.openxmlformats.org/presentationml/2006/main" xmlns:c="http://schemas.openxmlformats.org/drawingml/2006/chart" xmlns:dgm="http://schemas.openxmlformats.org/drawingml/2006/diagram" xmlns:o="urn:schemas-microsoft-com:office:office" xmlns:v="urn:schemas-microsoft-com:vml" xmlns:pvml="urn:schemas-microsoft-com:office:powerpoint" xmlns:com="http://schemas.openxmlformats.org/drawingml/2006/compatibility" xmlns:p14="http://schemas.microsoft.com/office/powerpoint/2010/main" xmlns:p15="http://schemas.microsoft.com/office/powerpoint/2012/main" xmlns:ahyp="http://schemas.microsoft.com/office/drawing/2018/hyperlinkcolor" showMasterPhAnim="0" showMasterSp="0">
+  <p:cSld>
+    <p:spTree>
+      <p:nvGrpSpPr>
+        <p:cNvPr id="224" name="Shape 224"/>
+        <p:cNvGrpSpPr/>
+        <p:nvPr/>
+      </p:nvGrpSpPr>
+      <p:grpSpPr>
+        <a:xfrm>
+          <a:off x="0" y="0"/>
+          <a:ext cx="0" cy="0"/>
+          <a:chOff x="0" y="0"/>
+          <a:chExt cx="0" cy="0"/>
+        </a:xfrm>
+      </p:grpSpPr>
+      <p:sp>
+        <p:nvSpPr>
+          <p:cNvPr id="225" name="Google Shape;225;g1353ffd53ee_0_0:notes"/>
+          <p:cNvSpPr/>
+          <p:nvPr>
+            <p:ph idx="2" type="sldImg"/>
+          </p:nvPr>
+        </p:nvSpPr>
+        <p:spPr>
+          <a:xfrm>
+            <a:off x="381300" y="685800"/>
+            <a:ext cx="6096000" cy="3429000"/>
+          </a:xfrm>
+          <a:custGeom>
+            <a:rect b="b" l="l" r="r" t="t"/>
+            <a:pathLst>
+              <a:path extrusionOk="0" h="120000" w="120000">
+                <a:moveTo>
+                  <a:pt x="0" y="0"/>
+                </a:moveTo>
+                <a:lnTo>
+                  <a:pt x="120000" y="0"/>
+                </a:lnTo>
+                <a:lnTo>
+                  <a:pt x="120000" y="120000"/>
+                </a:lnTo>
+                <a:lnTo>
+                  <a:pt x="0" y="120000"/>
+                </a:lnTo>
+                <a:close/>
+              </a:path>
+            </a:pathLst>
+          </a:custGeom>
+        </p:spPr>
+      </p:sp>
+      <p:sp>
+        <p:nvSpPr>
+          <p:cNvPr id="226" name="Google Shape;226;g1353ffd53ee_0_0:notes"/>
+          <p:cNvSpPr txBox="1"/>
+          <p:nvPr>
+            <p:ph idx="1" type="body"/>
+          </p:nvPr>
+        </p:nvSpPr>
+        <p:spPr>
+          <a:xfrm>
+            <a:off x="685800" y="4343400"/>
+            <a:ext cx="5486400" cy="4114800"/>
+          </a:xfrm>
+          <a:prstGeom prst="rect">
+            <a:avLst/>
+          </a:prstGeom>
+        </p:spPr>
+        <p:txBody>
+          <a:bodyPr anchorCtr="0" anchor="t" bIns="91425" lIns="91425" spcFirstLastPara="1" rIns="91425" wrap="square" tIns="91425">
+            <a:noAutofit/>
+          </a:bodyPr>
+          <a:lstStyle/>
+          <a:p>
+            <a:pPr indent="0" lvl="0" marL="0" rtl="0" algn="l">
+              <a:spcBef>
+                <a:spcPts val="0"/>
+              </a:spcBef>
+              <a:spcAft>
+                <a:spcPts val="0"/>
+              </a:spcAft>
+              <a:buNone/>
+            </a:pPr>
+            <a:r>
+              <a:t/>
+            </a:r>
+            <a:endParaRPr/>
+          </a:p>
+        </p:txBody>
+      </p:sp>
+    </p:spTree>
+  </p:cSld>
+  <p:clrMapOvr>
+    <a:masterClrMapping/>
+  </p:clrMapOvr>
+</p:notes>
+</file>
+
+<file path=ppt/notesSlides/notesSlide15.xml><?xml version="1.0" encoding="utf-8"?>
+<p:notes xmlns:a="http://schemas.openxmlformats.org/drawingml/2006/main" xmlns:r="http://schemas.openxmlformats.org/officeDocument/2006/relationships" xmlns:mc="http://schemas.openxmlformats.org/markup-compatibility/2006" xmlns:mv="urn:schemas-microsoft-com:mac:vml" xmlns:p="http://schemas.openxmlformats.org/presentationml/2006/main" xmlns:c="http://schemas.openxmlformats.org/drawingml/2006/chart" xmlns:dgm="http://schemas.openxmlformats.org/drawingml/2006/diagram" xmlns:o="urn:schemas-microsoft-com:office:office" xmlns:v="urn:schemas-microsoft-com:vml" xmlns:pvml="urn:schemas-microsoft-com:office:powerpoint" xmlns:com="http://schemas.openxmlformats.org/drawingml/2006/compatibility" xmlns:p14="http://schemas.microsoft.com/office/powerpoint/2010/main" xmlns:p15="http://schemas.microsoft.com/office/powerpoint/2012/main" xmlns:ahyp="http://schemas.microsoft.com/office/drawing/2018/hyperlinkcolor" showMasterPhAnim="0" showMasterSp="0">
+  <p:cSld>
+    <p:spTree>
+      <p:nvGrpSpPr>
+        <p:cNvPr id="230" name="Shape 230"/>
+        <p:cNvGrpSpPr/>
+        <p:nvPr/>
+      </p:nvGrpSpPr>
+      <p:grpSpPr>
+        <a:xfrm>
+          <a:off x="0" y="0"/>
+          <a:ext cx="0" cy="0"/>
+          <a:chOff x="0" y="0"/>
+          <a:chExt cx="0" cy="0"/>
+        </a:xfrm>
+      </p:grpSpPr>
+      <p:sp>
+        <p:nvSpPr>
+          <p:cNvPr id="231" name="Google Shape;231;g1353ffd53ee_0_14:notes"/>
+          <p:cNvSpPr/>
+          <p:nvPr>
+            <p:ph idx="2" type="sldImg"/>
+          </p:nvPr>
+        </p:nvSpPr>
+        <p:spPr>
+          <a:xfrm>
+            <a:off x="381300" y="685800"/>
+            <a:ext cx="6096000" cy="3429000"/>
+          </a:xfrm>
+          <a:custGeom>
+            <a:rect b="b" l="l" r="r" t="t"/>
+            <a:pathLst>
+              <a:path extrusionOk="0" h="120000" w="120000">
+                <a:moveTo>
+                  <a:pt x="0" y="0"/>
+                </a:moveTo>
+                <a:lnTo>
+                  <a:pt x="120000" y="0"/>
+                </a:lnTo>
+                <a:lnTo>
+                  <a:pt x="120000" y="120000"/>
+                </a:lnTo>
+                <a:lnTo>
+                  <a:pt x="0" y="120000"/>
+                </a:lnTo>
+                <a:close/>
+              </a:path>
+            </a:pathLst>
+          </a:custGeom>
+        </p:spPr>
+      </p:sp>
+      <p:sp>
+        <p:nvSpPr>
+          <p:cNvPr id="232" name="Google Shape;232;g1353ffd53ee_0_14:notes"/>
+          <p:cNvSpPr txBox="1"/>
+          <p:nvPr>
+            <p:ph idx="1" type="body"/>
+          </p:nvPr>
+        </p:nvSpPr>
+        <p:spPr>
+          <a:xfrm>
+            <a:off x="685800" y="4343400"/>
+            <a:ext cx="5486400" cy="4114800"/>
+          </a:xfrm>
+          <a:prstGeom prst="rect">
+            <a:avLst/>
+          </a:prstGeom>
+        </p:spPr>
+        <p:txBody>
+          <a:bodyPr anchorCtr="0" anchor="t" bIns="91425" lIns="91425" spcFirstLastPara="1" rIns="91425" wrap="square" tIns="91425">
+            <a:noAutofit/>
+          </a:bodyPr>
+          <a:lstStyle/>
+          <a:p>
+            <a:pPr indent="0" lvl="0" marL="0" rtl="0" algn="l">
+              <a:spcBef>
+                <a:spcPts val="0"/>
+              </a:spcBef>
+              <a:spcAft>
+                <a:spcPts val="0"/>
+              </a:spcAft>
+              <a:buNone/>
+            </a:pPr>
+            <a:r>
+              <a:t/>
+            </a:r>
+            <a:endParaRPr/>
+          </a:p>
+        </p:txBody>
+      </p:sp>
+    </p:spTree>
+  </p:cSld>
+  <p:clrMapOvr>
+    <a:masterClrMapping/>
+  </p:clrMapOvr>
+</p:notes>
+</file>
+
+<file path=ppt/notesSlides/notesSlide16.xml><?xml version="1.0" encoding="utf-8"?>
+<p:notes xmlns:a="http://schemas.openxmlformats.org/drawingml/2006/main" xmlns:r="http://schemas.openxmlformats.org/officeDocument/2006/relationships" xmlns:mc="http://schemas.openxmlformats.org/markup-compatibility/2006" xmlns:mv="urn:schemas-microsoft-com:mac:vml" xmlns:p="http://schemas.openxmlformats.org/presentationml/2006/main" xmlns:c="http://schemas.openxmlformats.org/drawingml/2006/chart" xmlns:dgm="http://schemas.openxmlformats.org/drawingml/2006/diagram" xmlns:o="urn:schemas-microsoft-com:office:office" xmlns:v="urn:schemas-microsoft-com:vml" xmlns:pvml="urn:schemas-microsoft-com:office:powerpoint" xmlns:com="http://schemas.openxmlformats.org/drawingml/2006/compatibility" xmlns:p14="http://schemas.microsoft.com/office/powerpoint/2010/main" xmlns:p15="http://schemas.microsoft.com/office/powerpoint/2012/main" xmlns:ahyp="http://schemas.microsoft.com/office/drawing/2018/hyperlinkcolor" showMasterPhAnim="0" showMasterSp="0">
+  <p:cSld>
+    <p:spTree>
+      <p:nvGrpSpPr>
+        <p:cNvPr id="236" name="Shape 236"/>
+        <p:cNvGrpSpPr/>
+        <p:nvPr/>
+      </p:nvGrpSpPr>
+      <p:grpSpPr>
+        <a:xfrm>
+          <a:off x="0" y="0"/>
+          <a:ext cx="0" cy="0"/>
+          <a:chOff x="0" y="0"/>
+          <a:chExt cx="0" cy="0"/>
+        </a:xfrm>
+      </p:grpSpPr>
+      <p:sp>
+        <p:nvSpPr>
+          <p:cNvPr id="237" name="Google Shape;237;g1353ffd53ee_0_18:notes"/>
+          <p:cNvSpPr/>
+          <p:nvPr>
+            <p:ph idx="2" type="sldImg"/>
+          </p:nvPr>
+        </p:nvSpPr>
+        <p:spPr>
+          <a:xfrm>
+            <a:off x="381300" y="685800"/>
+            <a:ext cx="6096000" cy="3429000"/>
+          </a:xfrm>
+          <a:custGeom>
+            <a:rect b="b" l="l" r="r" t="t"/>
+            <a:pathLst>
+              <a:path extrusionOk="0" h="120000" w="120000">
+                <a:moveTo>
+                  <a:pt x="0" y="0"/>
+                </a:moveTo>
+                <a:lnTo>
+                  <a:pt x="120000" y="0"/>
+                </a:lnTo>
+                <a:lnTo>
+                  <a:pt x="120000" y="120000"/>
+                </a:lnTo>
+                <a:lnTo>
+                  <a:pt x="0" y="120000"/>
+                </a:lnTo>
+                <a:close/>
+              </a:path>
+            </a:pathLst>
+          </a:custGeom>
+        </p:spPr>
+      </p:sp>
+      <p:sp>
+        <p:nvSpPr>
+          <p:cNvPr id="238" name="Google Shape;238;g1353ffd53ee_0_18:notes"/>
+          <p:cNvSpPr txBox="1"/>
+          <p:nvPr>
+            <p:ph idx="1" type="body"/>
+          </p:nvPr>
+        </p:nvSpPr>
+        <p:spPr>
+          <a:xfrm>
+            <a:off x="685800" y="4343400"/>
+            <a:ext cx="5486400" cy="4114800"/>
+          </a:xfrm>
+          <a:prstGeom prst="rect">
+            <a:avLst/>
+          </a:prstGeom>
+        </p:spPr>
+        <p:txBody>
+          <a:bodyPr anchorCtr="0" anchor="t" bIns="91425" lIns="91425" spcFirstLastPara="1" rIns="91425" wrap="square" tIns="91425">
+            <a:noAutofit/>
+          </a:bodyPr>
+          <a:lstStyle/>
+          <a:p>
+            <a:pPr indent="0" lvl="0" marL="0" rtl="0" algn="l">
+              <a:spcBef>
+                <a:spcPts val="0"/>
+              </a:spcBef>
+              <a:spcAft>
+                <a:spcPts val="0"/>
+              </a:spcAft>
+              <a:buNone/>
+            </a:pPr>
+            <a:r>
+              <a:t/>
+            </a:r>
+            <a:endParaRPr/>
+          </a:p>
+        </p:txBody>
+      </p:sp>
+    </p:spTree>
+  </p:cSld>
+  <p:clrMapOvr>
+    <a:masterClrMapping/>
+  </p:clrMapOvr>
+</p:notes>
+</file>
+
+<file path=ppt/notesSlides/notesSlide17.xml><?xml version="1.0" encoding="utf-8"?>
+<p:notes xmlns:a="http://schemas.openxmlformats.org/drawingml/2006/main" xmlns:r="http://schemas.openxmlformats.org/officeDocument/2006/relationships" xmlns:mc="http://schemas.openxmlformats.org/markup-compatibility/2006" xmlns:mv="urn:schemas-microsoft-com:mac:vml" xmlns:p="http://schemas.openxmlformats.org/presentationml/2006/main" xmlns:c="http://schemas.openxmlformats.org/drawingml/2006/chart" xmlns:dgm="http://schemas.openxmlformats.org/drawingml/2006/diagram" xmlns:o="urn:schemas-microsoft-com:office:office" xmlns:v="urn:schemas-microsoft-com:vml" xmlns:pvml="urn:schemas-microsoft-com:office:powerpoint" xmlns:com="http://schemas.openxmlformats.org/drawingml/2006/compatibility" xmlns:p14="http://schemas.microsoft.com/office/powerpoint/2010/main" xmlns:p15="http://schemas.microsoft.com/office/powerpoint/2012/main" xmlns:ahyp="http://schemas.microsoft.com/office/drawing/2018/hyperlinkcolor" showMasterPhAnim="0" showMasterSp="0">
+  <p:cSld>
+    <p:spTree>
+      <p:nvGrpSpPr>
+        <p:cNvPr id="242" name="Shape 242"/>
+        <p:cNvGrpSpPr/>
+        <p:nvPr/>
+      </p:nvGrpSpPr>
+      <p:grpSpPr>
+        <a:xfrm>
+          <a:off x="0" y="0"/>
+          <a:ext cx="0" cy="0"/>
+          <a:chOff x="0" y="0"/>
+          <a:chExt cx="0" cy="0"/>
+        </a:xfrm>
+      </p:grpSpPr>
+      <p:sp>
+        <p:nvSpPr>
+          <p:cNvPr id="243" name="Google Shape;243;g1353ffd53ee_0_6:notes"/>
+          <p:cNvSpPr/>
+          <p:nvPr>
+            <p:ph idx="2" type="sldImg"/>
+          </p:nvPr>
+        </p:nvSpPr>
+        <p:spPr>
+          <a:xfrm>
+            <a:off x="381300" y="685800"/>
+            <a:ext cx="6096000" cy="3429000"/>
+          </a:xfrm>
+          <a:custGeom>
+            <a:rect b="b" l="l" r="r" t="t"/>
+            <a:pathLst>
+              <a:path extrusionOk="0" h="120000" w="120000">
+                <a:moveTo>
+                  <a:pt x="0" y="0"/>
+                </a:moveTo>
+                <a:lnTo>
+                  <a:pt x="120000" y="0"/>
+                </a:lnTo>
+                <a:lnTo>
+                  <a:pt x="120000" y="120000"/>
+                </a:lnTo>
+                <a:lnTo>
+                  <a:pt x="0" y="120000"/>
+                </a:lnTo>
+                <a:close/>
+              </a:path>
+            </a:pathLst>
+          </a:custGeom>
+        </p:spPr>
+      </p:sp>
+      <p:sp>
+        <p:nvSpPr>
+          <p:cNvPr id="244" name="Google Shape;244;g1353ffd53ee_0_6:notes"/>
+          <p:cNvSpPr txBox="1"/>
+          <p:nvPr>
+            <p:ph idx="1" type="body"/>
+          </p:nvPr>
+        </p:nvSpPr>
+        <p:spPr>
+          <a:xfrm>
+            <a:off x="685800" y="4343400"/>
+            <a:ext cx="5486400" cy="4114800"/>
+          </a:xfrm>
+          <a:prstGeom prst="rect">
+            <a:avLst/>
+          </a:prstGeom>
+        </p:spPr>
+        <p:txBody>
+          <a:bodyPr anchorCtr="0" anchor="t" bIns="91425" lIns="91425" spcFirstLastPara="1" rIns="91425" wrap="square" tIns="91425">
+            <a:noAutofit/>
+          </a:bodyPr>
+          <a:lstStyle/>
+          <a:p>
+            <a:pPr indent="0" lvl="0" marL="0" rtl="0" algn="l">
+              <a:spcBef>
+                <a:spcPts val="0"/>
+              </a:spcBef>
+              <a:spcAft>
+                <a:spcPts val="0"/>
+              </a:spcAft>
+              <a:buNone/>
+            </a:pPr>
+            <a:r>
+              <a:t/>
+            </a:r>
+            <a:endParaRPr/>
+          </a:p>
+        </p:txBody>
+      </p:sp>
+    </p:spTree>
+  </p:cSld>
+  <p:clrMapOvr>
+    <a:masterClrMapping/>
+  </p:clrMapOvr>
+</p:notes>
+</file>
+
+<file path=ppt/notesSlides/notesSlide18.xml><?xml version="1.0" encoding="utf-8"?>
+<p:notes xmlns:a="http://schemas.openxmlformats.org/drawingml/2006/main" xmlns:r="http://schemas.openxmlformats.org/officeDocument/2006/relationships" xmlns:mc="http://schemas.openxmlformats.org/markup-compatibility/2006" xmlns:mv="urn:schemas-microsoft-com:mac:vml" xmlns:p="http://schemas.openxmlformats.org/presentationml/2006/main" xmlns:c="http://schemas.openxmlformats.org/drawingml/2006/chart" xmlns:dgm="http://schemas.openxmlformats.org/drawingml/2006/diagram" xmlns:o="urn:schemas-microsoft-com:office:office" xmlns:v="urn:schemas-microsoft-com:vml" xmlns:pvml="urn:schemas-microsoft-com:office:powerpoint" xmlns:com="http://schemas.openxmlformats.org/drawingml/2006/compatibility" xmlns:p14="http://schemas.microsoft.com/office/powerpoint/2010/main" xmlns:p15="http://schemas.microsoft.com/office/powerpoint/2012/main" xmlns:ahyp="http://schemas.microsoft.com/office/drawing/2018/hyperlinkcolor" showMasterPhAnim="0" showMasterSp="0">
+  <p:cSld>
+    <p:spTree>
+      <p:nvGrpSpPr>
+        <p:cNvPr id="248" name="Shape 248"/>
+        <p:cNvGrpSpPr/>
+        <p:nvPr/>
+      </p:nvGrpSpPr>
+      <p:grpSpPr>
+        <a:xfrm>
+          <a:off x="0" y="0"/>
+          <a:ext cx="0" cy="0"/>
+          <a:chOff x="0" y="0"/>
+          <a:chExt cx="0" cy="0"/>
+        </a:xfrm>
+      </p:grpSpPr>
+      <p:sp>
+        <p:nvSpPr>
+          <p:cNvPr id="249" name="Google Shape;249;g1353ffd53ee_0_34:notes"/>
+          <p:cNvSpPr/>
+          <p:nvPr>
+            <p:ph idx="2" type="sldImg"/>
+          </p:nvPr>
+        </p:nvSpPr>
+        <p:spPr>
+          <a:xfrm>
+            <a:off x="381300" y="685800"/>
+            <a:ext cx="6096000" cy="3429000"/>
+          </a:xfrm>
+          <a:custGeom>
+            <a:rect b="b" l="l" r="r" t="t"/>
+            <a:pathLst>
+              <a:path extrusionOk="0" h="120000" w="120000">
+                <a:moveTo>
+                  <a:pt x="0" y="0"/>
+                </a:moveTo>
+                <a:lnTo>
+                  <a:pt x="120000" y="0"/>
+                </a:lnTo>
+                <a:lnTo>
+                  <a:pt x="120000" y="120000"/>
+                </a:lnTo>
+                <a:lnTo>
+                  <a:pt x="0" y="120000"/>
+                </a:lnTo>
+                <a:close/>
+              </a:path>
+            </a:pathLst>
+          </a:custGeom>
+        </p:spPr>
+      </p:sp>
+      <p:sp>
+        <p:nvSpPr>
+          <p:cNvPr id="250" name="Google Shape;250;g1353ffd53ee_0_34:notes"/>
+          <p:cNvSpPr txBox="1"/>
+          <p:nvPr>
+            <p:ph idx="1" type="body"/>
+          </p:nvPr>
+        </p:nvSpPr>
+        <p:spPr>
+          <a:xfrm>
+            <a:off x="685800" y="4343400"/>
+            <a:ext cx="5486400" cy="4114800"/>
+          </a:xfrm>
+          <a:prstGeom prst="rect">
+            <a:avLst/>
+          </a:prstGeom>
+        </p:spPr>
+        <p:txBody>
+          <a:bodyPr anchorCtr="0" anchor="t" bIns="91425" lIns="91425" spcFirstLastPara="1" rIns="91425" wrap="square" tIns="91425">
+            <a:noAutofit/>
+          </a:bodyPr>
+          <a:lstStyle/>
+          <a:p>
+            <a:pPr indent="0" lvl="0" marL="0" rtl="0" algn="l">
+              <a:spcBef>
+                <a:spcPts val="0"/>
+              </a:spcBef>
+              <a:spcAft>
+                <a:spcPts val="0"/>
+              </a:spcAft>
+              <a:buNone/>
+            </a:pPr>
+            <a:r>
+              <a:t/>
+            </a:r>
+            <a:endParaRPr/>
+          </a:p>
+        </p:txBody>
+      </p:sp>
+    </p:spTree>
+  </p:cSld>
+  <p:clrMapOvr>
+    <a:masterClrMapping/>
+  </p:clrMapOvr>
+</p:notes>
+</file>
+
+<file path=ppt/notesSlides/notesSlide19.xml><?xml version="1.0" encoding="utf-8"?>
+<p:notes xmlns:a="http://schemas.openxmlformats.org/drawingml/2006/main" xmlns:r="http://schemas.openxmlformats.org/officeDocument/2006/relationships" xmlns:mc="http://schemas.openxmlformats.org/markup-compatibility/2006" xmlns:mv="urn:schemas-microsoft-com:mac:vml" xmlns:p="http://schemas.openxmlformats.org/presentationml/2006/main" xmlns:c="http://schemas.openxmlformats.org/drawingml/2006/chart" xmlns:dgm="http://schemas.openxmlformats.org/drawingml/2006/diagram" xmlns:o="urn:schemas-microsoft-com:office:office" xmlns:v="urn:schemas-microsoft-com:vml" xmlns:pvml="urn:schemas-microsoft-com:office:powerpoint" xmlns:com="http://schemas.openxmlformats.org/drawingml/2006/compatibility" xmlns:p14="http://schemas.microsoft.com/office/powerpoint/2010/main" xmlns:p15="http://schemas.microsoft.com/office/powerpoint/2012/main" xmlns:ahyp="http://schemas.microsoft.com/office/drawing/2018/hyperlinkcolor" showMasterPhAnim="0" showMasterSp="0">
+  <p:cSld>
+    <p:spTree>
+      <p:nvGrpSpPr>
+        <p:cNvPr id="254" name="Shape 254"/>
+        <p:cNvGrpSpPr/>
+        <p:nvPr/>
+      </p:nvGrpSpPr>
+      <p:grpSpPr>
+        <a:xfrm>
+          <a:off x="0" y="0"/>
+          <a:ext cx="0" cy="0"/>
+          <a:chOff x="0" y="0"/>
+          <a:chExt cx="0" cy="0"/>
+        </a:xfrm>
+      </p:grpSpPr>
+      <p:sp>
+        <p:nvSpPr>
+          <p:cNvPr id="255" name="Google Shape;255;g1353ffd53ee_1_13:notes"/>
+          <p:cNvSpPr/>
+          <p:nvPr>
+            <p:ph idx="2" type="sldImg"/>
+          </p:nvPr>
+        </p:nvSpPr>
+        <p:spPr>
+          <a:xfrm>
+            <a:off x="381300" y="685800"/>
+            <a:ext cx="6096000" cy="3429000"/>
+          </a:xfrm>
+          <a:custGeom>
+            <a:rect b="b" l="l" r="r" t="t"/>
+            <a:pathLst>
+              <a:path extrusionOk="0" h="120000" w="120000">
+                <a:moveTo>
+                  <a:pt x="0" y="0"/>
+                </a:moveTo>
+                <a:lnTo>
+                  <a:pt x="120000" y="0"/>
+                </a:lnTo>
+                <a:lnTo>
+                  <a:pt x="120000" y="120000"/>
+                </a:lnTo>
+                <a:lnTo>
+                  <a:pt x="0" y="120000"/>
+                </a:lnTo>
+                <a:close/>
+              </a:path>
+            </a:pathLst>
+          </a:custGeom>
+        </p:spPr>
+      </p:sp>
+      <p:sp>
+        <p:nvSpPr>
+          <p:cNvPr id="256" name="Google Shape;256;g1353ffd53ee_1_13:notes"/>
           <p:cNvSpPr txBox="1"/>
           <p:nvPr>
             <p:ph idx="1" type="body"/>
@@ -1264,6 +1867,303 @@
       <p:sp>
         <p:nvSpPr>
           <p:cNvPr id="139" name="Google Shape;139;g12a20fbe3d7_2_55:notes"/>
+          <p:cNvSpPr txBox="1"/>
+          <p:nvPr>
+            <p:ph idx="1" type="body"/>
+          </p:nvPr>
+        </p:nvSpPr>
+        <p:spPr>
+          <a:xfrm>
+            <a:off x="685800" y="4343400"/>
+            <a:ext cx="5486400" cy="4114800"/>
+          </a:xfrm>
+          <a:prstGeom prst="rect">
+            <a:avLst/>
+          </a:prstGeom>
+        </p:spPr>
+        <p:txBody>
+          <a:bodyPr anchorCtr="0" anchor="t" bIns="91425" lIns="91425" spcFirstLastPara="1" rIns="91425" wrap="square" tIns="91425">
+            <a:noAutofit/>
+          </a:bodyPr>
+          <a:lstStyle/>
+          <a:p>
+            <a:pPr indent="0" lvl="0" marL="0" rtl="0" algn="l">
+              <a:spcBef>
+                <a:spcPts val="0"/>
+              </a:spcBef>
+              <a:spcAft>
+                <a:spcPts val="0"/>
+              </a:spcAft>
+              <a:buNone/>
+            </a:pPr>
+            <a:r>
+              <a:t/>
+            </a:r>
+            <a:endParaRPr/>
+          </a:p>
+        </p:txBody>
+      </p:sp>
+    </p:spTree>
+  </p:cSld>
+  <p:clrMapOvr>
+    <a:masterClrMapping/>
+  </p:clrMapOvr>
+</p:notes>
+</file>
+
+<file path=ppt/notesSlides/notesSlide20.xml><?xml version="1.0" encoding="utf-8"?>
+<p:notes xmlns:a="http://schemas.openxmlformats.org/drawingml/2006/main" xmlns:r="http://schemas.openxmlformats.org/officeDocument/2006/relationships" xmlns:mc="http://schemas.openxmlformats.org/markup-compatibility/2006" xmlns:mv="urn:schemas-microsoft-com:mac:vml" xmlns:p="http://schemas.openxmlformats.org/presentationml/2006/main" xmlns:c="http://schemas.openxmlformats.org/drawingml/2006/chart" xmlns:dgm="http://schemas.openxmlformats.org/drawingml/2006/diagram" xmlns:o="urn:schemas-microsoft-com:office:office" xmlns:v="urn:schemas-microsoft-com:vml" xmlns:pvml="urn:schemas-microsoft-com:office:powerpoint" xmlns:com="http://schemas.openxmlformats.org/drawingml/2006/compatibility" xmlns:p14="http://schemas.microsoft.com/office/powerpoint/2010/main" xmlns:p15="http://schemas.microsoft.com/office/powerpoint/2012/main" xmlns:ahyp="http://schemas.microsoft.com/office/drawing/2018/hyperlinkcolor" showMasterPhAnim="0" showMasterSp="0">
+  <p:cSld>
+    <p:spTree>
+      <p:nvGrpSpPr>
+        <p:cNvPr id="262" name="Shape 262"/>
+        <p:cNvGrpSpPr/>
+        <p:nvPr/>
+      </p:nvGrpSpPr>
+      <p:grpSpPr>
+        <a:xfrm>
+          <a:off x="0" y="0"/>
+          <a:ext cx="0" cy="0"/>
+          <a:chOff x="0" y="0"/>
+          <a:chExt cx="0" cy="0"/>
+        </a:xfrm>
+      </p:grpSpPr>
+      <p:sp>
+        <p:nvSpPr>
+          <p:cNvPr id="263" name="Google Shape;263;g1353ffd53ee_0_10:notes"/>
+          <p:cNvSpPr/>
+          <p:nvPr>
+            <p:ph idx="2" type="sldImg"/>
+          </p:nvPr>
+        </p:nvSpPr>
+        <p:spPr>
+          <a:xfrm>
+            <a:off x="381300" y="685800"/>
+            <a:ext cx="6096000" cy="3429000"/>
+          </a:xfrm>
+          <a:custGeom>
+            <a:rect b="b" l="l" r="r" t="t"/>
+            <a:pathLst>
+              <a:path extrusionOk="0" h="120000" w="120000">
+                <a:moveTo>
+                  <a:pt x="0" y="0"/>
+                </a:moveTo>
+                <a:lnTo>
+                  <a:pt x="120000" y="0"/>
+                </a:lnTo>
+                <a:lnTo>
+                  <a:pt x="120000" y="120000"/>
+                </a:lnTo>
+                <a:lnTo>
+                  <a:pt x="0" y="120000"/>
+                </a:lnTo>
+                <a:close/>
+              </a:path>
+            </a:pathLst>
+          </a:custGeom>
+        </p:spPr>
+      </p:sp>
+      <p:sp>
+        <p:nvSpPr>
+          <p:cNvPr id="264" name="Google Shape;264;g1353ffd53ee_0_10:notes"/>
+          <p:cNvSpPr txBox="1"/>
+          <p:nvPr>
+            <p:ph idx="1" type="body"/>
+          </p:nvPr>
+        </p:nvSpPr>
+        <p:spPr>
+          <a:xfrm>
+            <a:off x="685800" y="4343400"/>
+            <a:ext cx="5486400" cy="4114800"/>
+          </a:xfrm>
+          <a:prstGeom prst="rect">
+            <a:avLst/>
+          </a:prstGeom>
+        </p:spPr>
+        <p:txBody>
+          <a:bodyPr anchorCtr="0" anchor="t" bIns="91425" lIns="91425" spcFirstLastPara="1" rIns="91425" wrap="square" tIns="91425">
+            <a:noAutofit/>
+          </a:bodyPr>
+          <a:lstStyle/>
+          <a:p>
+            <a:pPr indent="0" lvl="0" marL="0" rtl="0" algn="l">
+              <a:spcBef>
+                <a:spcPts val="0"/>
+              </a:spcBef>
+              <a:spcAft>
+                <a:spcPts val="0"/>
+              </a:spcAft>
+              <a:buNone/>
+            </a:pPr>
+            <a:r>
+              <a:t/>
+            </a:r>
+            <a:endParaRPr/>
+          </a:p>
+        </p:txBody>
+      </p:sp>
+    </p:spTree>
+  </p:cSld>
+  <p:clrMapOvr>
+    <a:masterClrMapping/>
+  </p:clrMapOvr>
+</p:notes>
+</file>
+
+<file path=ppt/notesSlides/notesSlide21.xml><?xml version="1.0" encoding="utf-8"?>
+<p:notes xmlns:a="http://schemas.openxmlformats.org/drawingml/2006/main" xmlns:r="http://schemas.openxmlformats.org/officeDocument/2006/relationships" xmlns:mc="http://schemas.openxmlformats.org/markup-compatibility/2006" xmlns:mv="urn:schemas-microsoft-com:mac:vml" xmlns:p="http://schemas.openxmlformats.org/presentationml/2006/main" xmlns:c="http://schemas.openxmlformats.org/drawingml/2006/chart" xmlns:dgm="http://schemas.openxmlformats.org/drawingml/2006/diagram" xmlns:o="urn:schemas-microsoft-com:office:office" xmlns:v="urn:schemas-microsoft-com:vml" xmlns:pvml="urn:schemas-microsoft-com:office:powerpoint" xmlns:com="http://schemas.openxmlformats.org/drawingml/2006/compatibility" xmlns:p14="http://schemas.microsoft.com/office/powerpoint/2010/main" xmlns:p15="http://schemas.microsoft.com/office/powerpoint/2012/main" xmlns:ahyp="http://schemas.microsoft.com/office/drawing/2018/hyperlinkcolor" showMasterPhAnim="0" showMasterSp="0">
+  <p:cSld>
+    <p:spTree>
+      <p:nvGrpSpPr>
+        <p:cNvPr id="268" name="Shape 268"/>
+        <p:cNvGrpSpPr/>
+        <p:nvPr/>
+      </p:nvGrpSpPr>
+      <p:grpSpPr>
+        <a:xfrm>
+          <a:off x="0" y="0"/>
+          <a:ext cx="0" cy="0"/>
+          <a:chOff x="0" y="0"/>
+          <a:chExt cx="0" cy="0"/>
+        </a:xfrm>
+      </p:grpSpPr>
+      <p:sp>
+        <p:nvSpPr>
+          <p:cNvPr id="269" name="Google Shape;269;g1353ffd53ee_0_25:notes"/>
+          <p:cNvSpPr/>
+          <p:nvPr>
+            <p:ph idx="2" type="sldImg"/>
+          </p:nvPr>
+        </p:nvSpPr>
+        <p:spPr>
+          <a:xfrm>
+            <a:off x="381300" y="685800"/>
+            <a:ext cx="6096000" cy="3429000"/>
+          </a:xfrm>
+          <a:custGeom>
+            <a:rect b="b" l="l" r="r" t="t"/>
+            <a:pathLst>
+              <a:path extrusionOk="0" h="120000" w="120000">
+                <a:moveTo>
+                  <a:pt x="0" y="0"/>
+                </a:moveTo>
+                <a:lnTo>
+                  <a:pt x="120000" y="0"/>
+                </a:lnTo>
+                <a:lnTo>
+                  <a:pt x="120000" y="120000"/>
+                </a:lnTo>
+                <a:lnTo>
+                  <a:pt x="0" y="120000"/>
+                </a:lnTo>
+                <a:close/>
+              </a:path>
+            </a:pathLst>
+          </a:custGeom>
+        </p:spPr>
+      </p:sp>
+      <p:sp>
+        <p:nvSpPr>
+          <p:cNvPr id="270" name="Google Shape;270;g1353ffd53ee_0_25:notes"/>
+          <p:cNvSpPr txBox="1"/>
+          <p:nvPr>
+            <p:ph idx="1" type="body"/>
+          </p:nvPr>
+        </p:nvSpPr>
+        <p:spPr>
+          <a:xfrm>
+            <a:off x="685800" y="4343400"/>
+            <a:ext cx="5486400" cy="4114800"/>
+          </a:xfrm>
+          <a:prstGeom prst="rect">
+            <a:avLst/>
+          </a:prstGeom>
+        </p:spPr>
+        <p:txBody>
+          <a:bodyPr anchorCtr="0" anchor="t" bIns="91425" lIns="91425" spcFirstLastPara="1" rIns="91425" wrap="square" tIns="91425">
+            <a:noAutofit/>
+          </a:bodyPr>
+          <a:lstStyle/>
+          <a:p>
+            <a:pPr indent="0" lvl="0" marL="0" rtl="0" algn="l">
+              <a:spcBef>
+                <a:spcPts val="0"/>
+              </a:spcBef>
+              <a:spcAft>
+                <a:spcPts val="0"/>
+              </a:spcAft>
+              <a:buNone/>
+            </a:pPr>
+            <a:r>
+              <a:t/>
+            </a:r>
+            <a:endParaRPr/>
+          </a:p>
+        </p:txBody>
+      </p:sp>
+    </p:spTree>
+  </p:cSld>
+  <p:clrMapOvr>
+    <a:masterClrMapping/>
+  </p:clrMapOvr>
+</p:notes>
+</file>
+
+<file path=ppt/notesSlides/notesSlide22.xml><?xml version="1.0" encoding="utf-8"?>
+<p:notes xmlns:a="http://schemas.openxmlformats.org/drawingml/2006/main" xmlns:r="http://schemas.openxmlformats.org/officeDocument/2006/relationships" xmlns:mc="http://schemas.openxmlformats.org/markup-compatibility/2006" xmlns:mv="urn:schemas-microsoft-com:mac:vml" xmlns:p="http://schemas.openxmlformats.org/presentationml/2006/main" xmlns:c="http://schemas.openxmlformats.org/drawingml/2006/chart" xmlns:dgm="http://schemas.openxmlformats.org/drawingml/2006/diagram" xmlns:o="urn:schemas-microsoft-com:office:office" xmlns:v="urn:schemas-microsoft-com:vml" xmlns:pvml="urn:schemas-microsoft-com:office:powerpoint" xmlns:com="http://schemas.openxmlformats.org/drawingml/2006/compatibility" xmlns:p14="http://schemas.microsoft.com/office/powerpoint/2010/main" xmlns:p15="http://schemas.microsoft.com/office/powerpoint/2012/main" xmlns:ahyp="http://schemas.microsoft.com/office/drawing/2018/hyperlinkcolor" showMasterPhAnim="0" showMasterSp="0">
+  <p:cSld>
+    <p:spTree>
+      <p:nvGrpSpPr>
+        <p:cNvPr id="275" name="Shape 275"/>
+        <p:cNvGrpSpPr/>
+        <p:nvPr/>
+      </p:nvGrpSpPr>
+      <p:grpSpPr>
+        <a:xfrm>
+          <a:off x="0" y="0"/>
+          <a:ext cx="0" cy="0"/>
+          <a:chOff x="0" y="0"/>
+          <a:chExt cx="0" cy="0"/>
+        </a:xfrm>
+      </p:grpSpPr>
+      <p:sp>
+        <p:nvSpPr>
+          <p:cNvPr id="276" name="Google Shape;276;g12b4446a5a9_0_23:notes"/>
+          <p:cNvSpPr/>
+          <p:nvPr>
+            <p:ph idx="2" type="sldImg"/>
+          </p:nvPr>
+        </p:nvSpPr>
+        <p:spPr>
+          <a:xfrm>
+            <a:off x="381300" y="685800"/>
+            <a:ext cx="6096000" cy="3429000"/>
+          </a:xfrm>
+          <a:custGeom>
+            <a:rect b="b" l="l" r="r" t="t"/>
+            <a:pathLst>
+              <a:path extrusionOk="0" h="120000" w="120000">
+                <a:moveTo>
+                  <a:pt x="0" y="0"/>
+                </a:moveTo>
+                <a:lnTo>
+                  <a:pt x="120000" y="0"/>
+                </a:lnTo>
+                <a:lnTo>
+                  <a:pt x="120000" y="120000"/>
+                </a:lnTo>
+                <a:lnTo>
+                  <a:pt x="0" y="120000"/>
+                </a:lnTo>
+                <a:close/>
+              </a:path>
+            </a:pathLst>
+          </a:custGeom>
+        </p:spPr>
+      </p:sp>
+      <p:sp>
+        <p:nvSpPr>
+          <p:cNvPr id="277" name="Google Shape;277;g12b4446a5a9_0_23:notes"/>
           <p:cNvSpPr txBox="1"/>
           <p:nvPr>
             <p:ph idx="1" type="body"/>
@@ -10578,7 +11478,7 @@
         </p:blipFill>
         <p:spPr>
           <a:xfrm>
-            <a:off x="4783700" y="3172225"/>
+            <a:off x="4939100" y="1522975"/>
             <a:ext cx="4020198" cy="1472250"/>
           </a:xfrm>
           <a:prstGeom prst="rect">
@@ -10606,7 +11506,7 @@
         </p:blipFill>
         <p:spPr>
           <a:xfrm>
-            <a:off x="518050" y="3356925"/>
+            <a:off x="2666312" y="3297725"/>
             <a:ext cx="3811374" cy="1270450"/>
           </a:xfrm>
           <a:prstGeom prst="rect">
@@ -10836,8 +11736,8 @@
         </p:nvSpPr>
         <p:spPr>
           <a:xfrm>
-            <a:off x="824400" y="1960200"/>
-            <a:ext cx="7495200" cy="1223100"/>
+            <a:off x="1297500" y="393750"/>
+            <a:ext cx="7038900" cy="914100"/>
           </a:xfrm>
           <a:prstGeom prst="rect">
             <a:avLst/>
@@ -10845,7 +11745,7 @@
         </p:spPr>
         <p:txBody>
           <a:bodyPr anchorCtr="0" anchor="t" bIns="91425" lIns="91425" spcFirstLastPara="1" rIns="91425" wrap="square" tIns="91425">
-            <a:normAutofit fontScale="90000"/>
+            <a:normAutofit/>
           </a:bodyPr>
           <a:lstStyle/>
           <a:p>
@@ -10859,13 +11759,731 @@
               <a:buNone/>
             </a:pPr>
             <a:r>
-              <a:rPr b="1" lang="it" sz="3400"/>
-              <a:t>NOW WE WILL SHOW THE LIVE DEMO OF THE WEB APPLICATION</a:t>
+              <a:rPr b="1" lang="it"/>
+              <a:t>SCRUM DEVELOPMENT : SPRINT 1 </a:t>
             </a:r>
-            <a:endParaRPr b="1" sz="3400"/>
+            <a:endParaRPr b="1"/>
           </a:p>
         </p:txBody>
       </p:sp>
+      <p:pic>
+        <p:nvPicPr>
+          <p:cNvPr id="222" name="Google Shape;222;p25"/>
+          <p:cNvPicPr preferRelativeResize="0"/>
+          <p:nvPr/>
+        </p:nvPicPr>
+        <p:blipFill>
+          <a:blip r:embed="rId3">
+            <a:alphaModFix/>
+          </a:blip>
+          <a:stretch>
+            <a:fillRect/>
+          </a:stretch>
+        </p:blipFill>
+        <p:spPr>
+          <a:xfrm>
+            <a:off x="152400" y="2897225"/>
+            <a:ext cx="8839200" cy="1374042"/>
+          </a:xfrm>
+          <a:prstGeom prst="rect">
+            <a:avLst/>
+          </a:prstGeom>
+          <a:noFill/>
+          <a:ln>
+            <a:noFill/>
+          </a:ln>
+        </p:spPr>
+      </p:pic>
+      <p:sp>
+        <p:nvSpPr>
+          <p:cNvPr id="223" name="Google Shape;223;p25"/>
+          <p:cNvSpPr txBox="1"/>
+          <p:nvPr/>
+        </p:nvSpPr>
+        <p:spPr>
+          <a:xfrm>
+            <a:off x="282025" y="1584675"/>
+            <a:ext cx="7338000" cy="400200"/>
+          </a:xfrm>
+          <a:prstGeom prst="rect">
+            <a:avLst/>
+          </a:prstGeom>
+          <a:noFill/>
+          <a:ln>
+            <a:noFill/>
+          </a:ln>
+        </p:spPr>
+        <p:txBody>
+          <a:bodyPr anchorCtr="0" anchor="t" bIns="91425" lIns="91425" spcFirstLastPara="1" rIns="91425" wrap="square" tIns="91425">
+            <a:spAutoFit/>
+          </a:bodyPr>
+          <a:lstStyle/>
+          <a:p>
+            <a:pPr indent="0" lvl="0" marL="0" rtl="0" algn="l">
+              <a:spcBef>
+                <a:spcPts val="0"/>
+              </a:spcBef>
+              <a:spcAft>
+                <a:spcPts val="0"/>
+              </a:spcAft>
+              <a:buNone/>
+            </a:pPr>
+            <a:r>
+              <a:rPr lang="it">
+                <a:solidFill>
+                  <a:schemeClr val="lt1"/>
+                </a:solidFill>
+                <a:latin typeface="Lato"/>
+                <a:ea typeface="Lato"/>
+                <a:cs typeface="Lato"/>
+                <a:sym typeface="Lato"/>
+              </a:rPr>
+              <a:t>The sprints are organized in two weeks each ,for a total of 4 sprints.</a:t>
+            </a:r>
+            <a:endParaRPr>
+              <a:solidFill>
+                <a:schemeClr val="lt1"/>
+              </a:solidFill>
+              <a:latin typeface="Lato"/>
+              <a:ea typeface="Lato"/>
+              <a:cs typeface="Lato"/>
+              <a:sym typeface="Lato"/>
+            </a:endParaRPr>
+          </a:p>
+        </p:txBody>
+      </p:sp>
+    </p:spTree>
+  </p:cSld>
+  <p:clrMapOvr>
+    <a:masterClrMapping/>
+  </p:clrMapOvr>
+</p:sld>
+</file>
+
+<file path=ppt/slides/slide14.xml><?xml version="1.0" encoding="utf-8"?>
+<p:sld xmlns:a="http://schemas.openxmlformats.org/drawingml/2006/main" xmlns:r="http://schemas.openxmlformats.org/officeDocument/2006/relationships" xmlns:mc="http://schemas.openxmlformats.org/markup-compatibility/2006" xmlns:mv="urn:schemas-microsoft-com:mac:vml" xmlns:p="http://schemas.openxmlformats.org/presentationml/2006/main" xmlns:c="http://schemas.openxmlformats.org/drawingml/2006/chart" xmlns:dgm="http://schemas.openxmlformats.org/drawingml/2006/diagram" xmlns:o="urn:schemas-microsoft-com:office:office" xmlns:v="urn:schemas-microsoft-com:vml" xmlns:pvml="urn:schemas-microsoft-com:office:powerpoint" xmlns:com="http://schemas.openxmlformats.org/drawingml/2006/compatibility" xmlns:p14="http://schemas.microsoft.com/office/powerpoint/2010/main" xmlns:p15="http://schemas.microsoft.com/office/powerpoint/2012/main" xmlns:ahyp="http://schemas.microsoft.com/office/drawing/2018/hyperlinkcolor">
+  <p:cSld>
+    <p:spTree>
+      <p:nvGrpSpPr>
+        <p:cNvPr id="227" name="Shape 227"/>
+        <p:cNvGrpSpPr/>
+        <p:nvPr/>
+      </p:nvGrpSpPr>
+      <p:grpSpPr>
+        <a:xfrm>
+          <a:off x="0" y="0"/>
+          <a:ext cx="0" cy="0"/>
+          <a:chOff x="0" y="0"/>
+          <a:chExt cx="0" cy="0"/>
+        </a:xfrm>
+      </p:grpSpPr>
+      <p:sp>
+        <p:nvSpPr>
+          <p:cNvPr id="228" name="Google Shape;228;p26"/>
+          <p:cNvSpPr txBox="1"/>
+          <p:nvPr>
+            <p:ph type="title"/>
+          </p:nvPr>
+        </p:nvSpPr>
+        <p:spPr>
+          <a:xfrm>
+            <a:off x="1297500" y="393750"/>
+            <a:ext cx="7038900" cy="914100"/>
+          </a:xfrm>
+          <a:prstGeom prst="rect">
+            <a:avLst/>
+          </a:prstGeom>
+        </p:spPr>
+        <p:txBody>
+          <a:bodyPr anchorCtr="0" anchor="t" bIns="91425" lIns="91425" spcFirstLastPara="1" rIns="91425" wrap="square" tIns="91425">
+            <a:normAutofit/>
+          </a:bodyPr>
+          <a:lstStyle/>
+          <a:p>
+            <a:pPr indent="0" lvl="0" marL="0" rtl="0" algn="l">
+              <a:spcBef>
+                <a:spcPts val="0"/>
+              </a:spcBef>
+              <a:spcAft>
+                <a:spcPts val="0"/>
+              </a:spcAft>
+              <a:buNone/>
+            </a:pPr>
+            <a:r>
+              <a:rPr b="1" lang="it"/>
+              <a:t>SCRUM DEVELOPMENT : SPRINT 2 </a:t>
+            </a:r>
+            <a:endParaRPr b="1"/>
+          </a:p>
+        </p:txBody>
+      </p:sp>
+      <p:pic>
+        <p:nvPicPr>
+          <p:cNvPr id="229" name="Google Shape;229;p26"/>
+          <p:cNvPicPr preferRelativeResize="0"/>
+          <p:nvPr/>
+        </p:nvPicPr>
+        <p:blipFill>
+          <a:blip r:embed="rId3">
+            <a:alphaModFix/>
+          </a:blip>
+          <a:stretch>
+            <a:fillRect/>
+          </a:stretch>
+        </p:blipFill>
+        <p:spPr>
+          <a:xfrm>
+            <a:off x="219550" y="2115150"/>
+            <a:ext cx="8839198" cy="1655912"/>
+          </a:xfrm>
+          <a:prstGeom prst="rect">
+            <a:avLst/>
+          </a:prstGeom>
+          <a:noFill/>
+          <a:ln>
+            <a:noFill/>
+          </a:ln>
+        </p:spPr>
+      </p:pic>
+    </p:spTree>
+  </p:cSld>
+  <p:clrMapOvr>
+    <a:masterClrMapping/>
+  </p:clrMapOvr>
+</p:sld>
+</file>
+
+<file path=ppt/slides/slide15.xml><?xml version="1.0" encoding="utf-8"?>
+<p:sld xmlns:a="http://schemas.openxmlformats.org/drawingml/2006/main" xmlns:r="http://schemas.openxmlformats.org/officeDocument/2006/relationships" xmlns:mc="http://schemas.openxmlformats.org/markup-compatibility/2006" xmlns:mv="urn:schemas-microsoft-com:mac:vml" xmlns:p="http://schemas.openxmlformats.org/presentationml/2006/main" xmlns:c="http://schemas.openxmlformats.org/drawingml/2006/chart" xmlns:dgm="http://schemas.openxmlformats.org/drawingml/2006/diagram" xmlns:o="urn:schemas-microsoft-com:office:office" xmlns:v="urn:schemas-microsoft-com:vml" xmlns:pvml="urn:schemas-microsoft-com:office:powerpoint" xmlns:com="http://schemas.openxmlformats.org/drawingml/2006/compatibility" xmlns:p14="http://schemas.microsoft.com/office/powerpoint/2010/main" xmlns:p15="http://schemas.microsoft.com/office/powerpoint/2012/main" xmlns:ahyp="http://schemas.microsoft.com/office/drawing/2018/hyperlinkcolor">
+  <p:cSld>
+    <p:spTree>
+      <p:nvGrpSpPr>
+        <p:cNvPr id="233" name="Shape 233"/>
+        <p:cNvGrpSpPr/>
+        <p:nvPr/>
+      </p:nvGrpSpPr>
+      <p:grpSpPr>
+        <a:xfrm>
+          <a:off x="0" y="0"/>
+          <a:ext cx="0" cy="0"/>
+          <a:chOff x="0" y="0"/>
+          <a:chExt cx="0" cy="0"/>
+        </a:xfrm>
+      </p:grpSpPr>
+      <p:sp>
+        <p:nvSpPr>
+          <p:cNvPr id="234" name="Google Shape;234;p27"/>
+          <p:cNvSpPr txBox="1"/>
+          <p:nvPr>
+            <p:ph type="title"/>
+          </p:nvPr>
+        </p:nvSpPr>
+        <p:spPr>
+          <a:xfrm>
+            <a:off x="1297500" y="393750"/>
+            <a:ext cx="7038900" cy="914100"/>
+          </a:xfrm>
+          <a:prstGeom prst="rect">
+            <a:avLst/>
+          </a:prstGeom>
+        </p:spPr>
+        <p:txBody>
+          <a:bodyPr anchorCtr="0" anchor="t" bIns="91425" lIns="91425" spcFirstLastPara="1" rIns="91425" wrap="square" tIns="91425">
+            <a:normAutofit/>
+          </a:bodyPr>
+          <a:lstStyle/>
+          <a:p>
+            <a:pPr indent="0" lvl="0" marL="0" rtl="0" algn="l">
+              <a:spcBef>
+                <a:spcPts val="0"/>
+              </a:spcBef>
+              <a:spcAft>
+                <a:spcPts val="0"/>
+              </a:spcAft>
+              <a:buNone/>
+            </a:pPr>
+            <a:r>
+              <a:rPr b="1" lang="it"/>
+              <a:t>SCRUM DEVELOPMENT : SPRINT 3 </a:t>
+            </a:r>
+            <a:endParaRPr b="1"/>
+          </a:p>
+        </p:txBody>
+      </p:sp>
+      <p:pic>
+        <p:nvPicPr>
+          <p:cNvPr id="235" name="Google Shape;235;p27"/>
+          <p:cNvPicPr preferRelativeResize="0"/>
+          <p:nvPr/>
+        </p:nvPicPr>
+        <p:blipFill>
+          <a:blip r:embed="rId3">
+            <a:alphaModFix/>
+          </a:blip>
+          <a:stretch>
+            <a:fillRect/>
+          </a:stretch>
+        </p:blipFill>
+        <p:spPr>
+          <a:xfrm>
+            <a:off x="152400" y="1970575"/>
+            <a:ext cx="8839199" cy="2158924"/>
+          </a:xfrm>
+          <a:prstGeom prst="rect">
+            <a:avLst/>
+          </a:prstGeom>
+          <a:noFill/>
+          <a:ln>
+            <a:noFill/>
+          </a:ln>
+        </p:spPr>
+      </p:pic>
+    </p:spTree>
+  </p:cSld>
+  <p:clrMapOvr>
+    <a:masterClrMapping/>
+  </p:clrMapOvr>
+</p:sld>
+</file>
+
+<file path=ppt/slides/slide16.xml><?xml version="1.0" encoding="utf-8"?>
+<p:sld xmlns:a="http://schemas.openxmlformats.org/drawingml/2006/main" xmlns:r="http://schemas.openxmlformats.org/officeDocument/2006/relationships" xmlns:mc="http://schemas.openxmlformats.org/markup-compatibility/2006" xmlns:mv="urn:schemas-microsoft-com:mac:vml" xmlns:p="http://schemas.openxmlformats.org/presentationml/2006/main" xmlns:c="http://schemas.openxmlformats.org/drawingml/2006/chart" xmlns:dgm="http://schemas.openxmlformats.org/drawingml/2006/diagram" xmlns:o="urn:schemas-microsoft-com:office:office" xmlns:v="urn:schemas-microsoft-com:vml" xmlns:pvml="urn:schemas-microsoft-com:office:powerpoint" xmlns:com="http://schemas.openxmlformats.org/drawingml/2006/compatibility" xmlns:p14="http://schemas.microsoft.com/office/powerpoint/2010/main" xmlns:p15="http://schemas.microsoft.com/office/powerpoint/2012/main" xmlns:ahyp="http://schemas.microsoft.com/office/drawing/2018/hyperlinkcolor">
+  <p:cSld>
+    <p:spTree>
+      <p:nvGrpSpPr>
+        <p:cNvPr id="239" name="Shape 239"/>
+        <p:cNvGrpSpPr/>
+        <p:nvPr/>
+      </p:nvGrpSpPr>
+      <p:grpSpPr>
+        <a:xfrm>
+          <a:off x="0" y="0"/>
+          <a:ext cx="0" cy="0"/>
+          <a:chOff x="0" y="0"/>
+          <a:chExt cx="0" cy="0"/>
+        </a:xfrm>
+      </p:grpSpPr>
+      <p:sp>
+        <p:nvSpPr>
+          <p:cNvPr id="240" name="Google Shape;240;p28"/>
+          <p:cNvSpPr txBox="1"/>
+          <p:nvPr>
+            <p:ph type="title"/>
+          </p:nvPr>
+        </p:nvSpPr>
+        <p:spPr>
+          <a:xfrm>
+            <a:off x="1297500" y="393750"/>
+            <a:ext cx="7038900" cy="914100"/>
+          </a:xfrm>
+          <a:prstGeom prst="rect">
+            <a:avLst/>
+          </a:prstGeom>
+        </p:spPr>
+        <p:txBody>
+          <a:bodyPr anchorCtr="0" anchor="t" bIns="91425" lIns="91425" spcFirstLastPara="1" rIns="91425" wrap="square" tIns="91425">
+            <a:normAutofit/>
+          </a:bodyPr>
+          <a:lstStyle/>
+          <a:p>
+            <a:pPr indent="0" lvl="0" marL="0" rtl="0" algn="l">
+              <a:spcBef>
+                <a:spcPts val="0"/>
+              </a:spcBef>
+              <a:spcAft>
+                <a:spcPts val="0"/>
+              </a:spcAft>
+              <a:buNone/>
+            </a:pPr>
+            <a:r>
+              <a:rPr b="1" lang="it"/>
+              <a:t>SCRUM DEVELOPMENT : SPRINT 4</a:t>
+            </a:r>
+            <a:endParaRPr b="1"/>
+          </a:p>
+        </p:txBody>
+      </p:sp>
+      <p:pic>
+        <p:nvPicPr>
+          <p:cNvPr id="241" name="Google Shape;241;p28"/>
+          <p:cNvPicPr preferRelativeResize="0"/>
+          <p:nvPr/>
+        </p:nvPicPr>
+        <p:blipFill>
+          <a:blip r:embed="rId3">
+            <a:alphaModFix/>
+          </a:blip>
+          <a:stretch>
+            <a:fillRect/>
+          </a:stretch>
+        </p:blipFill>
+        <p:spPr>
+          <a:xfrm>
+            <a:off x="232975" y="1621400"/>
+            <a:ext cx="8543925" cy="2924175"/>
+          </a:xfrm>
+          <a:prstGeom prst="rect">
+            <a:avLst/>
+          </a:prstGeom>
+          <a:noFill/>
+          <a:ln>
+            <a:noFill/>
+          </a:ln>
+        </p:spPr>
+      </p:pic>
+    </p:spTree>
+  </p:cSld>
+  <p:clrMapOvr>
+    <a:masterClrMapping/>
+  </p:clrMapOvr>
+</p:sld>
+</file>
+
+<file path=ppt/slides/slide17.xml><?xml version="1.0" encoding="utf-8"?>
+<p:sld xmlns:a="http://schemas.openxmlformats.org/drawingml/2006/main" xmlns:r="http://schemas.openxmlformats.org/officeDocument/2006/relationships" xmlns:mc="http://schemas.openxmlformats.org/markup-compatibility/2006" xmlns:mv="urn:schemas-microsoft-com:mac:vml" xmlns:p="http://schemas.openxmlformats.org/presentationml/2006/main" xmlns:c="http://schemas.openxmlformats.org/drawingml/2006/chart" xmlns:dgm="http://schemas.openxmlformats.org/drawingml/2006/diagram" xmlns:o="urn:schemas-microsoft-com:office:office" xmlns:v="urn:schemas-microsoft-com:vml" xmlns:pvml="urn:schemas-microsoft-com:office:powerpoint" xmlns:com="http://schemas.openxmlformats.org/drawingml/2006/compatibility" xmlns:p14="http://schemas.microsoft.com/office/powerpoint/2010/main" xmlns:p15="http://schemas.microsoft.com/office/powerpoint/2012/main" xmlns:ahyp="http://schemas.microsoft.com/office/drawing/2018/hyperlinkcolor">
+  <p:cSld>
+    <p:spTree>
+      <p:nvGrpSpPr>
+        <p:cNvPr id="245" name="Shape 245"/>
+        <p:cNvGrpSpPr/>
+        <p:nvPr/>
+      </p:nvGrpSpPr>
+      <p:grpSpPr>
+        <a:xfrm>
+          <a:off x="0" y="0"/>
+          <a:ext cx="0" cy="0"/>
+          <a:chOff x="0" y="0"/>
+          <a:chExt cx="0" cy="0"/>
+        </a:xfrm>
+      </p:grpSpPr>
+      <p:sp>
+        <p:nvSpPr>
+          <p:cNvPr id="246" name="Google Shape;246;p29"/>
+          <p:cNvSpPr txBox="1"/>
+          <p:nvPr>
+            <p:ph type="title"/>
+          </p:nvPr>
+        </p:nvSpPr>
+        <p:spPr>
+          <a:xfrm>
+            <a:off x="1189600" y="405750"/>
+            <a:ext cx="7038900" cy="914100"/>
+          </a:xfrm>
+          <a:prstGeom prst="rect">
+            <a:avLst/>
+          </a:prstGeom>
+        </p:spPr>
+        <p:txBody>
+          <a:bodyPr anchorCtr="0" anchor="t" bIns="91425" lIns="91425" spcFirstLastPara="1" rIns="91425" wrap="square" tIns="91425">
+            <a:normAutofit/>
+          </a:bodyPr>
+          <a:lstStyle/>
+          <a:p>
+            <a:pPr indent="0" lvl="0" marL="0" rtl="0" algn="l">
+              <a:spcBef>
+                <a:spcPts val="0"/>
+              </a:spcBef>
+              <a:spcAft>
+                <a:spcPts val="0"/>
+              </a:spcAft>
+              <a:buNone/>
+            </a:pPr>
+            <a:r>
+              <a:rPr b="1" lang="it"/>
+              <a:t>FUNCTION POINTS</a:t>
+            </a:r>
+            <a:endParaRPr b="1"/>
+          </a:p>
+        </p:txBody>
+      </p:sp>
+      <p:pic>
+        <p:nvPicPr>
+          <p:cNvPr id="247" name="Google Shape;247;p29"/>
+          <p:cNvPicPr preferRelativeResize="0"/>
+          <p:nvPr/>
+        </p:nvPicPr>
+        <p:blipFill>
+          <a:blip r:embed="rId3">
+            <a:alphaModFix/>
+          </a:blip>
+          <a:stretch>
+            <a:fillRect/>
+          </a:stretch>
+        </p:blipFill>
+        <p:spPr>
+          <a:xfrm>
+            <a:off x="914900" y="1427275"/>
+            <a:ext cx="7803251" cy="3518850"/>
+          </a:xfrm>
+          <a:prstGeom prst="rect">
+            <a:avLst/>
+          </a:prstGeom>
+          <a:noFill/>
+          <a:ln>
+            <a:noFill/>
+          </a:ln>
+        </p:spPr>
+      </p:pic>
+    </p:spTree>
+  </p:cSld>
+  <p:clrMapOvr>
+    <a:masterClrMapping/>
+  </p:clrMapOvr>
+</p:sld>
+</file>
+
+<file path=ppt/slides/slide18.xml><?xml version="1.0" encoding="utf-8"?>
+<p:sld xmlns:a="http://schemas.openxmlformats.org/drawingml/2006/main" xmlns:r="http://schemas.openxmlformats.org/officeDocument/2006/relationships" xmlns:mc="http://schemas.openxmlformats.org/markup-compatibility/2006" xmlns:mv="urn:schemas-microsoft-com:mac:vml" xmlns:p="http://schemas.openxmlformats.org/presentationml/2006/main" xmlns:c="http://schemas.openxmlformats.org/drawingml/2006/chart" xmlns:dgm="http://schemas.openxmlformats.org/drawingml/2006/diagram" xmlns:o="urn:schemas-microsoft-com:office:office" xmlns:v="urn:schemas-microsoft-com:vml" xmlns:pvml="urn:schemas-microsoft-com:office:powerpoint" xmlns:com="http://schemas.openxmlformats.org/drawingml/2006/compatibility" xmlns:p14="http://schemas.microsoft.com/office/powerpoint/2010/main" xmlns:p15="http://schemas.microsoft.com/office/powerpoint/2012/main" xmlns:ahyp="http://schemas.microsoft.com/office/drawing/2018/hyperlinkcolor">
+  <p:cSld>
+    <p:spTree>
+      <p:nvGrpSpPr>
+        <p:cNvPr id="251" name="Shape 251"/>
+        <p:cNvGrpSpPr/>
+        <p:nvPr/>
+      </p:nvGrpSpPr>
+      <p:grpSpPr>
+        <a:xfrm>
+          <a:off x="0" y="0"/>
+          <a:ext cx="0" cy="0"/>
+          <a:chOff x="0" y="0"/>
+          <a:chExt cx="0" cy="0"/>
+        </a:xfrm>
+      </p:grpSpPr>
+      <p:sp>
+        <p:nvSpPr>
+          <p:cNvPr id="252" name="Google Shape;252;p30"/>
+          <p:cNvSpPr txBox="1"/>
+          <p:nvPr>
+            <p:ph type="title"/>
+          </p:nvPr>
+        </p:nvSpPr>
+        <p:spPr>
+          <a:xfrm>
+            <a:off x="1189600" y="405750"/>
+            <a:ext cx="7038900" cy="914100"/>
+          </a:xfrm>
+          <a:prstGeom prst="rect">
+            <a:avLst/>
+          </a:prstGeom>
+        </p:spPr>
+        <p:txBody>
+          <a:bodyPr anchorCtr="0" anchor="t" bIns="91425" lIns="91425" spcFirstLastPara="1" rIns="91425" wrap="square" tIns="91425">
+            <a:normAutofit/>
+          </a:bodyPr>
+          <a:lstStyle/>
+          <a:p>
+            <a:pPr indent="0" lvl="0" marL="0" rtl="0" algn="l">
+              <a:spcBef>
+                <a:spcPts val="0"/>
+              </a:spcBef>
+              <a:spcAft>
+                <a:spcPts val="0"/>
+              </a:spcAft>
+              <a:buNone/>
+            </a:pPr>
+            <a:r>
+              <a:rPr b="1" lang="it"/>
+              <a:t>FUNCTION POINTS</a:t>
+            </a:r>
+            <a:endParaRPr b="1"/>
+          </a:p>
+        </p:txBody>
+      </p:sp>
+      <p:pic>
+        <p:nvPicPr>
+          <p:cNvPr id="253" name="Google Shape;253;p30"/>
+          <p:cNvPicPr preferRelativeResize="0"/>
+          <p:nvPr/>
+        </p:nvPicPr>
+        <p:blipFill>
+          <a:blip r:embed="rId3">
+            <a:alphaModFix/>
+          </a:blip>
+          <a:stretch>
+            <a:fillRect/>
+          </a:stretch>
+        </p:blipFill>
+        <p:spPr>
+          <a:xfrm>
+            <a:off x="1723675" y="912050"/>
+            <a:ext cx="5487950" cy="4074375"/>
+          </a:xfrm>
+          <a:prstGeom prst="rect">
+            <a:avLst/>
+          </a:prstGeom>
+          <a:noFill/>
+          <a:ln>
+            <a:noFill/>
+          </a:ln>
+        </p:spPr>
+      </p:pic>
+    </p:spTree>
+  </p:cSld>
+  <p:clrMapOvr>
+    <a:masterClrMapping/>
+  </p:clrMapOvr>
+</p:sld>
+</file>
+
+<file path=ppt/slides/slide19.xml><?xml version="1.0" encoding="utf-8"?>
+<p:sld xmlns:a="http://schemas.openxmlformats.org/drawingml/2006/main" xmlns:r="http://schemas.openxmlformats.org/officeDocument/2006/relationships" xmlns:mc="http://schemas.openxmlformats.org/markup-compatibility/2006" xmlns:mv="urn:schemas-microsoft-com:mac:vml" xmlns:p="http://schemas.openxmlformats.org/presentationml/2006/main" xmlns:c="http://schemas.openxmlformats.org/drawingml/2006/chart" xmlns:dgm="http://schemas.openxmlformats.org/drawingml/2006/diagram" xmlns:o="urn:schemas-microsoft-com:office:office" xmlns:v="urn:schemas-microsoft-com:vml" xmlns:pvml="urn:schemas-microsoft-com:office:powerpoint" xmlns:com="http://schemas.openxmlformats.org/drawingml/2006/compatibility" xmlns:p14="http://schemas.microsoft.com/office/powerpoint/2010/main" xmlns:p15="http://schemas.microsoft.com/office/powerpoint/2012/main" xmlns:ahyp="http://schemas.microsoft.com/office/drawing/2018/hyperlinkcolor">
+  <p:cSld>
+    <p:spTree>
+      <p:nvGrpSpPr>
+        <p:cNvPr id="257" name="Shape 257"/>
+        <p:cNvGrpSpPr/>
+        <p:nvPr/>
+      </p:nvGrpSpPr>
+      <p:grpSpPr>
+        <a:xfrm>
+          <a:off x="0" y="0"/>
+          <a:ext cx="0" cy="0"/>
+          <a:chOff x="0" y="0"/>
+          <a:chExt cx="0" cy="0"/>
+        </a:xfrm>
+      </p:grpSpPr>
+      <p:sp>
+        <p:nvSpPr>
+          <p:cNvPr id="258" name="Google Shape;258;p31"/>
+          <p:cNvSpPr txBox="1"/>
+          <p:nvPr>
+            <p:ph type="title"/>
+          </p:nvPr>
+        </p:nvSpPr>
+        <p:spPr>
+          <a:xfrm>
+            <a:off x="1189600" y="392325"/>
+            <a:ext cx="7038900" cy="914100"/>
+          </a:xfrm>
+          <a:prstGeom prst="rect">
+            <a:avLst/>
+          </a:prstGeom>
+        </p:spPr>
+        <p:txBody>
+          <a:bodyPr anchorCtr="0" anchor="t" bIns="91425" lIns="91425" spcFirstLastPara="1" rIns="91425" wrap="square" tIns="91425">
+            <a:normAutofit/>
+          </a:bodyPr>
+          <a:lstStyle/>
+          <a:p>
+            <a:pPr indent="0" lvl="0" marL="0" rtl="0" algn="l">
+              <a:spcBef>
+                <a:spcPts val="0"/>
+              </a:spcBef>
+              <a:spcAft>
+                <a:spcPts val="0"/>
+              </a:spcAft>
+              <a:buNone/>
+            </a:pPr>
+            <a:r>
+              <a:rPr b="1" lang="it"/>
+              <a:t>FUNCTION POINTS</a:t>
+            </a:r>
+            <a:endParaRPr b="1"/>
+          </a:p>
+        </p:txBody>
+      </p:sp>
+      <p:pic>
+        <p:nvPicPr>
+          <p:cNvPr id="259" name="Google Shape;259;p31"/>
+          <p:cNvPicPr preferRelativeResize="0"/>
+          <p:nvPr/>
+        </p:nvPicPr>
+        <p:blipFill>
+          <a:blip r:embed="rId3">
+            <a:alphaModFix/>
+          </a:blip>
+          <a:stretch>
+            <a:fillRect/>
+          </a:stretch>
+        </p:blipFill>
+        <p:spPr>
+          <a:xfrm>
+            <a:off x="2573763" y="1069400"/>
+            <a:ext cx="4270575" cy="327375"/>
+          </a:xfrm>
+          <a:prstGeom prst="rect">
+            <a:avLst/>
+          </a:prstGeom>
+          <a:noFill/>
+          <a:ln cap="flat" cmpd="sng" w="38100">
+            <a:solidFill>
+              <a:schemeClr val="dk1"/>
+            </a:solidFill>
+            <a:prstDash val="solid"/>
+            <a:round/>
+            <a:headEnd len="sm" w="sm" type="none"/>
+            <a:tailEnd len="sm" w="sm" type="none"/>
+          </a:ln>
+        </p:spPr>
+      </p:pic>
+      <p:pic>
+        <p:nvPicPr>
+          <p:cNvPr id="260" name="Google Shape;260;p31"/>
+          <p:cNvPicPr preferRelativeResize="0"/>
+          <p:nvPr/>
+        </p:nvPicPr>
+        <p:blipFill>
+          <a:blip r:embed="rId4">
+            <a:alphaModFix/>
+          </a:blip>
+          <a:stretch>
+            <a:fillRect/>
+          </a:stretch>
+        </p:blipFill>
+        <p:spPr>
+          <a:xfrm>
+            <a:off x="1337825" y="1477350"/>
+            <a:ext cx="6468350" cy="3066775"/>
+          </a:xfrm>
+          <a:prstGeom prst="rect">
+            <a:avLst/>
+          </a:prstGeom>
+          <a:noFill/>
+          <a:ln cap="flat" cmpd="sng" w="38100">
+            <a:solidFill>
+              <a:schemeClr val="dk1"/>
+            </a:solidFill>
+            <a:prstDash val="solid"/>
+            <a:round/>
+            <a:headEnd len="sm" w="sm" type="none"/>
+            <a:tailEnd len="sm" w="sm" type="none"/>
+          </a:ln>
+        </p:spPr>
+      </p:pic>
+      <p:pic>
+        <p:nvPicPr>
+          <p:cNvPr id="261" name="Google Shape;261;p31"/>
+          <p:cNvPicPr preferRelativeResize="0"/>
+          <p:nvPr/>
+        </p:nvPicPr>
+        <p:blipFill>
+          <a:blip r:embed="rId5">
+            <a:alphaModFix/>
+          </a:blip>
+          <a:stretch>
+            <a:fillRect/>
+          </a:stretch>
+        </p:blipFill>
+        <p:spPr>
+          <a:xfrm>
+            <a:off x="2489137" y="4624700"/>
+            <a:ext cx="4439825" cy="392275"/>
+          </a:xfrm>
+          <a:prstGeom prst="rect">
+            <a:avLst/>
+          </a:prstGeom>
+          <a:noFill/>
+          <a:ln cap="flat" cmpd="sng" w="38100">
+            <a:solidFill>
+              <a:schemeClr val="dk1"/>
+            </a:solidFill>
+            <a:prstDash val="solid"/>
+            <a:round/>
+            <a:headEnd len="sm" w="sm" type="none"/>
+            <a:tailEnd len="sm" w="sm" type="none"/>
+          </a:ln>
+        </p:spPr>
+      </p:pic>
     </p:spTree>
   </p:cSld>
   <p:clrMapOvr>
@@ -11105,6 +12723,315 @@
               <a:cs typeface="Montserrat"/>
               <a:sym typeface="Montserrat"/>
             </a:endParaRPr>
+          </a:p>
+        </p:txBody>
+      </p:sp>
+    </p:spTree>
+  </p:cSld>
+  <p:clrMapOvr>
+    <a:masterClrMapping/>
+  </p:clrMapOvr>
+</p:sld>
+</file>
+
+<file path=ppt/slides/slide20.xml><?xml version="1.0" encoding="utf-8"?>
+<p:sld xmlns:a="http://schemas.openxmlformats.org/drawingml/2006/main" xmlns:r="http://schemas.openxmlformats.org/officeDocument/2006/relationships" xmlns:mc="http://schemas.openxmlformats.org/markup-compatibility/2006" xmlns:mv="urn:schemas-microsoft-com:mac:vml" xmlns:p="http://schemas.openxmlformats.org/presentationml/2006/main" xmlns:c="http://schemas.openxmlformats.org/drawingml/2006/chart" xmlns:dgm="http://schemas.openxmlformats.org/drawingml/2006/diagram" xmlns:o="urn:schemas-microsoft-com:office:office" xmlns:v="urn:schemas-microsoft-com:vml" xmlns:pvml="urn:schemas-microsoft-com:office:powerpoint" xmlns:com="http://schemas.openxmlformats.org/drawingml/2006/compatibility" xmlns:p14="http://schemas.microsoft.com/office/powerpoint/2010/main" xmlns:p15="http://schemas.microsoft.com/office/powerpoint/2012/main" xmlns:ahyp="http://schemas.microsoft.com/office/drawing/2018/hyperlinkcolor">
+  <p:cSld>
+    <p:spTree>
+      <p:nvGrpSpPr>
+        <p:cNvPr id="265" name="Shape 265"/>
+        <p:cNvGrpSpPr/>
+        <p:nvPr/>
+      </p:nvGrpSpPr>
+      <p:grpSpPr>
+        <a:xfrm>
+          <a:off x="0" y="0"/>
+          <a:ext cx="0" cy="0"/>
+          <a:chOff x="0" y="0"/>
+          <a:chExt cx="0" cy="0"/>
+        </a:xfrm>
+      </p:grpSpPr>
+      <p:sp>
+        <p:nvSpPr>
+          <p:cNvPr id="266" name="Google Shape;266;p32"/>
+          <p:cNvSpPr txBox="1"/>
+          <p:nvPr>
+            <p:ph type="title"/>
+          </p:nvPr>
+        </p:nvSpPr>
+        <p:spPr>
+          <a:xfrm>
+            <a:off x="1297500" y="393750"/>
+            <a:ext cx="7038900" cy="914100"/>
+          </a:xfrm>
+          <a:prstGeom prst="rect">
+            <a:avLst/>
+          </a:prstGeom>
+        </p:spPr>
+        <p:txBody>
+          <a:bodyPr anchorCtr="0" anchor="t" bIns="91425" lIns="91425" spcFirstLastPara="1" rIns="91425" wrap="square" tIns="91425">
+            <a:normAutofit/>
+          </a:bodyPr>
+          <a:lstStyle/>
+          <a:p>
+            <a:pPr indent="0" lvl="0" marL="0" rtl="0" algn="l">
+              <a:spcBef>
+                <a:spcPts val="0"/>
+              </a:spcBef>
+              <a:spcAft>
+                <a:spcPts val="0"/>
+              </a:spcAft>
+              <a:buNone/>
+            </a:pPr>
+            <a:r>
+              <a:rPr b="1" lang="it"/>
+              <a:t>COCOMO 2</a:t>
+            </a:r>
+            <a:endParaRPr b="1"/>
+          </a:p>
+        </p:txBody>
+      </p:sp>
+      <p:pic>
+        <p:nvPicPr>
+          <p:cNvPr id="267" name="Google Shape;267;p32"/>
+          <p:cNvPicPr preferRelativeResize="0"/>
+          <p:nvPr/>
+        </p:nvPicPr>
+        <p:blipFill>
+          <a:blip r:embed="rId3">
+            <a:alphaModFix/>
+          </a:blip>
+          <a:stretch>
+            <a:fillRect/>
+          </a:stretch>
+        </p:blipFill>
+        <p:spPr>
+          <a:xfrm>
+            <a:off x="1218200" y="1208475"/>
+            <a:ext cx="7197502" cy="3530850"/>
+          </a:xfrm>
+          <a:prstGeom prst="rect">
+            <a:avLst/>
+          </a:prstGeom>
+          <a:noFill/>
+          <a:ln>
+            <a:noFill/>
+          </a:ln>
+        </p:spPr>
+      </p:pic>
+    </p:spTree>
+  </p:cSld>
+  <p:clrMapOvr>
+    <a:masterClrMapping/>
+  </p:clrMapOvr>
+</p:sld>
+</file>
+
+<file path=ppt/slides/slide21.xml><?xml version="1.0" encoding="utf-8"?>
+<p:sld xmlns:a="http://schemas.openxmlformats.org/drawingml/2006/main" xmlns:r="http://schemas.openxmlformats.org/officeDocument/2006/relationships" xmlns:mc="http://schemas.openxmlformats.org/markup-compatibility/2006" xmlns:mv="urn:schemas-microsoft-com:mac:vml" xmlns:p="http://schemas.openxmlformats.org/presentationml/2006/main" xmlns:c="http://schemas.openxmlformats.org/drawingml/2006/chart" xmlns:dgm="http://schemas.openxmlformats.org/drawingml/2006/diagram" xmlns:o="urn:schemas-microsoft-com:office:office" xmlns:v="urn:schemas-microsoft-com:vml" xmlns:pvml="urn:schemas-microsoft-com:office:powerpoint" xmlns:com="http://schemas.openxmlformats.org/drawingml/2006/compatibility" xmlns:p14="http://schemas.microsoft.com/office/powerpoint/2010/main" xmlns:p15="http://schemas.microsoft.com/office/powerpoint/2012/main" xmlns:ahyp="http://schemas.microsoft.com/office/drawing/2018/hyperlinkcolor">
+  <p:cSld>
+    <p:spTree>
+      <p:nvGrpSpPr>
+        <p:cNvPr id="271" name="Shape 271"/>
+        <p:cNvGrpSpPr/>
+        <p:nvPr/>
+      </p:nvGrpSpPr>
+      <p:grpSpPr>
+        <a:xfrm>
+          <a:off x="0" y="0"/>
+          <a:ext cx="0" cy="0"/>
+          <a:chOff x="0" y="0"/>
+          <a:chExt cx="0" cy="0"/>
+        </a:xfrm>
+      </p:grpSpPr>
+      <p:sp>
+        <p:nvSpPr>
+          <p:cNvPr id="272" name="Google Shape;272;p33"/>
+          <p:cNvSpPr txBox="1"/>
+          <p:nvPr>
+            <p:ph type="title"/>
+          </p:nvPr>
+        </p:nvSpPr>
+        <p:spPr>
+          <a:xfrm>
+            <a:off x="1189600" y="405750"/>
+            <a:ext cx="7038900" cy="914100"/>
+          </a:xfrm>
+          <a:prstGeom prst="rect">
+            <a:avLst/>
+          </a:prstGeom>
+        </p:spPr>
+        <p:txBody>
+          <a:bodyPr anchorCtr="0" anchor="t" bIns="91425" lIns="91425" spcFirstLastPara="1" rIns="91425" wrap="square" tIns="91425">
+            <a:normAutofit/>
+          </a:bodyPr>
+          <a:lstStyle/>
+          <a:p>
+            <a:pPr indent="0" lvl="0" marL="0" rtl="0" algn="l">
+              <a:spcBef>
+                <a:spcPts val="0"/>
+              </a:spcBef>
+              <a:spcAft>
+                <a:spcPts val="0"/>
+              </a:spcAft>
+              <a:buNone/>
+            </a:pPr>
+            <a:r>
+              <a:rPr b="1" lang="it"/>
+              <a:t>COCOMO” RESULTS</a:t>
+            </a:r>
+            <a:endParaRPr b="1"/>
+          </a:p>
+        </p:txBody>
+      </p:sp>
+      <p:pic>
+        <p:nvPicPr>
+          <p:cNvPr id="273" name="Google Shape;273;p33"/>
+          <p:cNvPicPr preferRelativeResize="0"/>
+          <p:nvPr/>
+        </p:nvPicPr>
+        <p:blipFill>
+          <a:blip r:embed="rId3">
+            <a:alphaModFix/>
+          </a:blip>
+          <a:stretch>
+            <a:fillRect/>
+          </a:stretch>
+        </p:blipFill>
+        <p:spPr>
+          <a:xfrm>
+            <a:off x="1590675" y="1319850"/>
+            <a:ext cx="5962650" cy="2962275"/>
+          </a:xfrm>
+          <a:prstGeom prst="rect">
+            <a:avLst/>
+          </a:prstGeom>
+          <a:noFill/>
+          <a:ln>
+            <a:noFill/>
+          </a:ln>
+        </p:spPr>
+      </p:pic>
+      <p:sp>
+        <p:nvSpPr>
+          <p:cNvPr id="274" name="Google Shape;274;p33"/>
+          <p:cNvSpPr txBox="1"/>
+          <p:nvPr/>
+        </p:nvSpPr>
+        <p:spPr>
+          <a:xfrm>
+            <a:off x="1036000" y="4433500"/>
+            <a:ext cx="7346100" cy="492600"/>
+          </a:xfrm>
+          <a:prstGeom prst="rect">
+            <a:avLst/>
+          </a:prstGeom>
+          <a:noFill/>
+          <a:ln>
+            <a:noFill/>
+          </a:ln>
+        </p:spPr>
+        <p:txBody>
+          <a:bodyPr anchorCtr="0" anchor="t" bIns="91425" lIns="91425" spcFirstLastPara="1" rIns="91425" wrap="square" tIns="91425">
+            <a:spAutoFit/>
+          </a:bodyPr>
+          <a:lstStyle/>
+          <a:p>
+            <a:pPr indent="0" lvl="0" marL="0" rtl="0" algn="l">
+              <a:spcBef>
+                <a:spcPts val="0"/>
+              </a:spcBef>
+              <a:spcAft>
+                <a:spcPts val="0"/>
+              </a:spcAft>
+              <a:buNone/>
+            </a:pPr>
+            <a:r>
+              <a:rPr lang="it" sz="2000">
+                <a:solidFill>
+                  <a:schemeClr val="lt1"/>
+                </a:solidFill>
+                <a:latin typeface="Lato"/>
+                <a:ea typeface="Lato"/>
+                <a:cs typeface="Lato"/>
+                <a:sym typeface="Lato"/>
+              </a:rPr>
+              <a:t>In our application we had instead obtained a total of 2251 SLOC</a:t>
+            </a:r>
+            <a:endParaRPr sz="2000">
+              <a:solidFill>
+                <a:schemeClr val="lt1"/>
+              </a:solidFill>
+              <a:latin typeface="Lato"/>
+              <a:ea typeface="Lato"/>
+              <a:cs typeface="Lato"/>
+              <a:sym typeface="Lato"/>
+            </a:endParaRPr>
+          </a:p>
+        </p:txBody>
+      </p:sp>
+    </p:spTree>
+  </p:cSld>
+  <p:clrMapOvr>
+    <a:masterClrMapping/>
+  </p:clrMapOvr>
+</p:sld>
+</file>
+
+<file path=ppt/slides/slide22.xml><?xml version="1.0" encoding="utf-8"?>
+<p:sld xmlns:a="http://schemas.openxmlformats.org/drawingml/2006/main" xmlns:r="http://schemas.openxmlformats.org/officeDocument/2006/relationships" xmlns:mc="http://schemas.openxmlformats.org/markup-compatibility/2006" xmlns:mv="urn:schemas-microsoft-com:mac:vml" xmlns:p="http://schemas.openxmlformats.org/presentationml/2006/main" xmlns:c="http://schemas.openxmlformats.org/drawingml/2006/chart" xmlns:dgm="http://schemas.openxmlformats.org/drawingml/2006/diagram" xmlns:o="urn:schemas-microsoft-com:office:office" xmlns:v="urn:schemas-microsoft-com:vml" xmlns:pvml="urn:schemas-microsoft-com:office:powerpoint" xmlns:com="http://schemas.openxmlformats.org/drawingml/2006/compatibility" xmlns:p14="http://schemas.microsoft.com/office/powerpoint/2010/main" xmlns:p15="http://schemas.microsoft.com/office/powerpoint/2012/main" xmlns:ahyp="http://schemas.microsoft.com/office/drawing/2018/hyperlinkcolor">
+  <p:cSld>
+    <p:spTree>
+      <p:nvGrpSpPr>
+        <p:cNvPr id="278" name="Shape 278"/>
+        <p:cNvGrpSpPr/>
+        <p:nvPr/>
+      </p:nvGrpSpPr>
+      <p:grpSpPr>
+        <a:xfrm>
+          <a:off x="0" y="0"/>
+          <a:ext cx="0" cy="0"/>
+          <a:chOff x="0" y="0"/>
+          <a:chExt cx="0" cy="0"/>
+        </a:xfrm>
+      </p:grpSpPr>
+      <p:sp>
+        <p:nvSpPr>
+          <p:cNvPr id="279" name="Google Shape;279;p34"/>
+          <p:cNvSpPr txBox="1"/>
+          <p:nvPr>
+            <p:ph type="title"/>
+          </p:nvPr>
+        </p:nvSpPr>
+        <p:spPr>
+          <a:xfrm>
+            <a:off x="824400" y="1960200"/>
+            <a:ext cx="7495200" cy="1223100"/>
+          </a:xfrm>
+          <a:prstGeom prst="rect">
+            <a:avLst/>
+          </a:prstGeom>
+        </p:spPr>
+        <p:txBody>
+          <a:bodyPr anchorCtr="0" anchor="t" bIns="91425" lIns="91425" spcFirstLastPara="1" rIns="91425" wrap="square" tIns="91425">
+            <a:normAutofit fontScale="90000"/>
+          </a:bodyPr>
+          <a:lstStyle/>
+          <a:p>
+            <a:pPr indent="0" lvl="0" marL="0" rtl="0" algn="l">
+              <a:spcBef>
+                <a:spcPts val="0"/>
+              </a:spcBef>
+              <a:spcAft>
+                <a:spcPts val="0"/>
+              </a:spcAft>
+              <a:buNone/>
+            </a:pPr>
+            <a:r>
+              <a:rPr b="1" lang="it" sz="3400"/>
+              <a:t>NOW WE WILL SHOW THE LIVE DEMO OF THE WEB APPLICATION</a:t>
+            </a:r>
+            <a:endParaRPr b="1" sz="3400"/>
           </a:p>
         </p:txBody>
       </p:sp>
